--- a/Slides/WebServices/Web Services.pptx
+++ b/Slides/WebServices/Web Services.pptx
@@ -9,7 +9,7 @@
   </p:notesMasterIdLst>
   <p:sldIdLst>
     <p:sldId id="257" r:id="rId2"/>
-    <p:sldId id="366" r:id="rId3"/>
+    <p:sldId id="380" r:id="rId3"/>
     <p:sldId id="258" r:id="rId4"/>
     <p:sldId id="367" r:id="rId5"/>
     <p:sldId id="377" r:id="rId6"/>
@@ -221,7 +221,7 @@
           <a:p>
             <a:fld id="{644303E9-1A8A-406D-9DFA-FF87524EDF5C}" type="datetimeFigureOut">
               <a:rPr lang="en-US" smtClean="0"/>
-              <a:t>9/18/2014</a:t>
+              <a:t>10/5/2014</a:t>
             </a:fld>
             <a:endParaRPr lang="en-US"/>
           </a:p>
@@ -9544,19 +9544,6 @@
               <a:rPr lang="en-US" sz="2400" dirty="0" smtClean="0"/>
               <a:t> Team</a:t>
             </a:r>
-          </a:p>
-          <a:p>
-            <a:pPr lvl="1">
-              <a:lnSpc>
-                <a:spcPct val="100000"/>
-              </a:lnSpc>
-              <a:spcBef>
-                <a:spcPts val="300"/>
-              </a:spcBef>
-              <a:spcAft>
-                <a:spcPts val="300"/>
-              </a:spcAft>
-            </a:pPr>
             <a:endParaRPr lang="en-US" sz="2400" dirty="0"/>
           </a:p>
           <a:p>
@@ -9573,20 +9560,6 @@
               <a:buNone/>
             </a:pPr>
             <a:endParaRPr lang="en-US" sz="2400" dirty="0"/>
-          </a:p>
-          <a:p>
-            <a:pPr lvl="1">
-              <a:lnSpc>
-                <a:spcPct val="100000"/>
-              </a:lnSpc>
-              <a:spcBef>
-                <a:spcPts val="300"/>
-              </a:spcBef>
-              <a:spcAft>
-                <a:spcPts val="300"/>
-              </a:spcAft>
-            </a:pPr>
-            <a:endParaRPr lang="en-US" dirty="0"/>
           </a:p>
         </p:txBody>
       </p:sp>
@@ -9673,7 +9646,7 @@
         </p:nvSpPr>
         <p:spPr>
           <a:xfrm>
-            <a:off x="5549451" y="5533037"/>
+            <a:off x="5530407" y="5665451"/>
             <a:ext cx="3990513" cy="400110"/>
           </a:xfrm>
           <a:prstGeom prst="rect">
@@ -9942,7 +9915,7 @@
         </p:nvSpPr>
         <p:spPr>
           <a:xfrm>
-            <a:off x="5549452" y="5837837"/>
+            <a:off x="5530408" y="6065561"/>
             <a:ext cx="3990513" cy="369332"/>
           </a:xfrm>
           <a:prstGeom prst="rect">
@@ -10203,10 +10176,550 @@
           </a:p>
         </p:txBody>
       </p:sp>
+      <p:sp>
+        <p:nvSpPr>
+          <p:cNvPr id="8" name="Text Placeholder 13"/>
+          <p:cNvSpPr>
+            <a:spLocks noGrp="1"/>
+          </p:cNvSpPr>
+          <p:nvPr/>
+        </p:nvSpPr>
+        <p:spPr>
+          <a:xfrm>
+            <a:off x="510540" y="6065561"/>
+            <a:ext cx="4574646" cy="369332"/>
+          </a:xfrm>
+          <a:prstGeom prst="rect">
+            <a:avLst/>
+          </a:prstGeom>
+          <a:noFill/>
+        </p:spPr>
+        <p:txBody>
+          <a:bodyPr wrap="square" rtlCol="0">
+            <a:spAutoFit/>
+          </a:bodyPr>
+          <a:lstStyle>
+            <a:lvl1pPr marL="319088" indent="-319088" algn="l" rtl="0" eaLnBrk="1" fontAlgn="base" hangingPunct="1">
+              <a:spcBef>
+                <a:spcPct val="20000"/>
+              </a:spcBef>
+              <a:spcAft>
+                <a:spcPct val="0"/>
+              </a:spcAft>
+              <a:buClr>
+                <a:schemeClr val="accent5">
+                  <a:lumMod val="40000"/>
+                  <a:lumOff val="60000"/>
+                </a:schemeClr>
+              </a:buClr>
+              <a:buSzPct val="70000"/>
+              <a:buFont typeface="Wingdings 2" pitchFamily="18" charset="2"/>
+              <a:buNone/>
+              <a:defRPr lang="en-US" sz="1800" b="1" kern="1200" dirty="0">
+                <a:solidFill>
+                  <a:schemeClr val="tx2">
+                    <a:lumMod val="20000"/>
+                    <a:lumOff val="80000"/>
+                  </a:schemeClr>
+                </a:solidFill>
+                <a:effectLst>
+                  <a:outerShdw blurRad="38100" dist="38100" dir="2700000" algn="tl">
+                    <a:srgbClr val="000000">
+                      <a:alpha val="43137"/>
+                    </a:srgbClr>
+                  </a:outerShdw>
+                </a:effectLst>
+                <a:latin typeface="Corbel" pitchFamily="34" charset="0"/>
+                <a:ea typeface="+mn-ea"/>
+                <a:cs typeface="+mn-cs"/>
+              </a:defRPr>
+            </a:lvl1pPr>
+            <a:lvl2pPr marL="630238" indent="-273050" algn="l" rtl="0" eaLnBrk="1" fontAlgn="base" hangingPunct="1">
+              <a:spcBef>
+                <a:spcPct val="20000"/>
+              </a:spcBef>
+              <a:spcAft>
+                <a:spcPct val="0"/>
+              </a:spcAft>
+              <a:buClr>
+                <a:schemeClr val="accent2">
+                  <a:lumMod val="60000"/>
+                  <a:lumOff val="40000"/>
+                </a:schemeClr>
+              </a:buClr>
+              <a:buFont typeface="Wingdings 2" pitchFamily="18" charset="2"/>
+              <a:buChar char=""/>
+              <a:defRPr sz="3000" b="1" kern="1200">
+                <a:solidFill>
+                  <a:schemeClr val="tx1">
+                    <a:lumMod val="20000"/>
+                    <a:lumOff val="80000"/>
+                  </a:schemeClr>
+                </a:solidFill>
+                <a:effectLst>
+                  <a:outerShdw blurRad="38100" dist="38100" dir="2700000" algn="tl">
+                    <a:srgbClr val="000000">
+                      <a:alpha val="43137"/>
+                    </a:srgbClr>
+                  </a:outerShdw>
+                </a:effectLst>
+                <a:latin typeface="+mn-lt"/>
+                <a:ea typeface="+mn-ea"/>
+                <a:cs typeface="+mn-cs"/>
+              </a:defRPr>
+            </a:lvl2pPr>
+            <a:lvl3pPr marL="922338" indent="-273050" algn="l" rtl="0" eaLnBrk="1" fontAlgn="base" hangingPunct="1">
+              <a:spcBef>
+                <a:spcPct val="20000"/>
+              </a:spcBef>
+              <a:spcAft>
+                <a:spcPct val="0"/>
+              </a:spcAft>
+              <a:buClr>
+                <a:schemeClr val="tx1">
+                  <a:lumMod val="50000"/>
+                </a:schemeClr>
+              </a:buClr>
+              <a:buFont typeface="Wingdings 2" pitchFamily="18" charset="2"/>
+              <a:buChar char=""/>
+              <a:defRPr sz="2800" b="1" kern="1200">
+                <a:solidFill>
+                  <a:schemeClr val="tx1">
+                    <a:lumMod val="20000"/>
+                    <a:lumOff val="80000"/>
+                  </a:schemeClr>
+                </a:solidFill>
+                <a:effectLst>
+                  <a:outerShdw blurRad="38100" dist="38100" dir="2700000" algn="tl">
+                    <a:srgbClr val="000000">
+                      <a:alpha val="43137"/>
+                    </a:srgbClr>
+                  </a:outerShdw>
+                </a:effectLst>
+                <a:latin typeface="+mn-lt"/>
+                <a:ea typeface="+mn-ea"/>
+                <a:cs typeface="+mn-cs"/>
+              </a:defRPr>
+            </a:lvl3pPr>
+            <a:lvl4pPr marL="1187450" indent="-228600" algn="l" rtl="0" eaLnBrk="1" fontAlgn="base" hangingPunct="1">
+              <a:spcBef>
+                <a:spcPct val="20000"/>
+              </a:spcBef>
+              <a:spcAft>
+                <a:spcPct val="0"/>
+              </a:spcAft>
+              <a:buClr>
+                <a:srgbClr val="F8BD52"/>
+              </a:buClr>
+              <a:buFont typeface="Wingdings 2" pitchFamily="18" charset="2"/>
+              <a:buChar char=""/>
+              <a:defRPr sz="2600" b="1" kern="1200">
+                <a:solidFill>
+                  <a:schemeClr val="tx1">
+                    <a:lumMod val="20000"/>
+                    <a:lumOff val="80000"/>
+                  </a:schemeClr>
+                </a:solidFill>
+                <a:effectLst>
+                  <a:outerShdw blurRad="38100" dist="38100" dir="2700000" algn="tl">
+                    <a:srgbClr val="000000">
+                      <a:alpha val="43137"/>
+                    </a:srgbClr>
+                  </a:outerShdw>
+                </a:effectLst>
+                <a:latin typeface="+mn-lt"/>
+                <a:ea typeface="+mn-ea"/>
+                <a:cs typeface="+mn-cs"/>
+              </a:defRPr>
+            </a:lvl4pPr>
+            <a:lvl5pPr marL="1425575" indent="-228600" algn="l" rtl="0" eaLnBrk="1" fontAlgn="base" hangingPunct="1">
+              <a:spcBef>
+                <a:spcPct val="20000"/>
+              </a:spcBef>
+              <a:spcAft>
+                <a:spcPct val="0"/>
+              </a:spcAft>
+              <a:buClr>
+                <a:srgbClr val="46A6BD"/>
+              </a:buClr>
+              <a:buFont typeface="Wingdings 2" pitchFamily="18" charset="2"/>
+              <a:buChar char=""/>
+              <a:defRPr sz="2400" b="1" kern="1200">
+                <a:solidFill>
+                  <a:schemeClr val="tx1">
+                    <a:lumMod val="20000"/>
+                    <a:lumOff val="80000"/>
+                  </a:schemeClr>
+                </a:solidFill>
+                <a:effectLst>
+                  <a:outerShdw blurRad="38100" dist="38100" dir="2700000" algn="tl">
+                    <a:srgbClr val="000000">
+                      <a:alpha val="43137"/>
+                    </a:srgbClr>
+                  </a:outerShdw>
+                </a:effectLst>
+                <a:latin typeface="+mn-lt"/>
+                <a:ea typeface="+mn-ea"/>
+                <a:cs typeface="+mn-cs"/>
+              </a:defRPr>
+            </a:lvl5pPr>
+            <a:lvl6pPr marL="1673352" indent="-228600" algn="l" rtl="0" eaLnBrk="1" latinLnBrk="0" hangingPunct="1">
+              <a:spcBef>
+                <a:spcPct val="20000"/>
+              </a:spcBef>
+              <a:buClr>
+                <a:schemeClr val="accent6"/>
+              </a:buClr>
+              <a:buFont typeface="Wingdings 2"/>
+              <a:buChar char=""/>
+              <a:defRPr sz="1800" kern="1200">
+                <a:solidFill>
+                  <a:schemeClr val="tx1"/>
+                </a:solidFill>
+                <a:latin typeface="+mn-lt"/>
+                <a:ea typeface="+mn-ea"/>
+                <a:cs typeface="+mn-cs"/>
+              </a:defRPr>
+            </a:lvl6pPr>
+            <a:lvl7pPr marL="1911096" indent="-228600" algn="l" rtl="0" eaLnBrk="1" latinLnBrk="0" hangingPunct="1">
+              <a:spcBef>
+                <a:spcPct val="20000"/>
+              </a:spcBef>
+              <a:buClr>
+                <a:schemeClr val="tx2"/>
+              </a:buClr>
+              <a:buFont typeface="Wingdings 2"/>
+              <a:buChar char=""/>
+              <a:defRPr sz="1600" kern="1200">
+                <a:solidFill>
+                  <a:schemeClr val="tx1"/>
+                </a:solidFill>
+                <a:latin typeface="+mn-lt"/>
+                <a:ea typeface="+mn-ea"/>
+                <a:cs typeface="+mn-cs"/>
+              </a:defRPr>
+            </a:lvl7pPr>
+            <a:lvl8pPr marL="2121408" indent="-182880" algn="l" rtl="0" eaLnBrk="1" latinLnBrk="0" hangingPunct="1">
+              <a:spcBef>
+                <a:spcPct val="20000"/>
+              </a:spcBef>
+              <a:buClr>
+                <a:schemeClr val="tx2"/>
+              </a:buClr>
+              <a:buFont typeface="Wingdings 2"/>
+              <a:buChar char=""/>
+              <a:defRPr sz="1400" kern="1200">
+                <a:solidFill>
+                  <a:schemeClr val="tx1"/>
+                </a:solidFill>
+                <a:latin typeface="+mn-lt"/>
+                <a:ea typeface="+mn-ea"/>
+                <a:cs typeface="+mn-cs"/>
+              </a:defRPr>
+            </a:lvl8pPr>
+            <a:lvl9pPr marL="2322576" indent="-182880" algn="l" rtl="0" eaLnBrk="1" latinLnBrk="0" hangingPunct="1">
+              <a:spcBef>
+                <a:spcPct val="20000"/>
+              </a:spcBef>
+              <a:buClr>
+                <a:schemeClr val="tx2"/>
+              </a:buClr>
+              <a:buFont typeface="Wingdings 2"/>
+              <a:buChar char=""/>
+              <a:defRPr sz="1400" kern="1200">
+                <a:solidFill>
+                  <a:schemeClr val="tx1"/>
+                </a:solidFill>
+                <a:latin typeface="+mn-lt"/>
+                <a:ea typeface="+mn-ea"/>
+                <a:cs typeface="+mn-cs"/>
+              </a:defRPr>
+            </a:lvl9pPr>
+          </a:lstStyle>
+          <a:p>
+            <a:r>
+              <a:rPr lang="en-US" dirty="0">
+                <a:hlinkClick r:id="rId4"/>
+              </a:rPr>
+              <a:t>https://github.com/dtopuzov/qa-academy</a:t>
+            </a:r>
+            <a:endParaRPr lang="en-US" dirty="0"/>
+          </a:p>
+        </p:txBody>
+      </p:sp>
+      <p:sp>
+        <p:nvSpPr>
+          <p:cNvPr id="12" name="Text Placeholder 12"/>
+          <p:cNvSpPr>
+            <a:spLocks noGrp="1"/>
+          </p:cNvSpPr>
+          <p:nvPr/>
+        </p:nvSpPr>
+        <p:spPr>
+          <a:xfrm>
+            <a:off x="510540" y="5647520"/>
+            <a:ext cx="3990513" cy="400110"/>
+          </a:xfrm>
+          <a:prstGeom prst="rect">
+            <a:avLst/>
+          </a:prstGeom>
+          <a:noFill/>
+        </p:spPr>
+        <p:txBody>
+          <a:bodyPr wrap="square" rtlCol="0">
+            <a:spAutoFit/>
+          </a:bodyPr>
+          <a:lstStyle>
+            <a:lvl1pPr marL="319088" indent="-319088" algn="l" rtl="0" eaLnBrk="1" fontAlgn="base" hangingPunct="1">
+              <a:spcBef>
+                <a:spcPct val="20000"/>
+              </a:spcBef>
+              <a:spcAft>
+                <a:spcPct val="0"/>
+              </a:spcAft>
+              <a:buClr>
+                <a:schemeClr val="accent5">
+                  <a:lumMod val="40000"/>
+                  <a:lumOff val="60000"/>
+                </a:schemeClr>
+              </a:buClr>
+              <a:buSzPct val="70000"/>
+              <a:buFont typeface="Wingdings 2" pitchFamily="18" charset="2"/>
+              <a:buNone/>
+              <a:defRPr lang="en-US" sz="2000" b="1" kern="1200" dirty="0">
+                <a:solidFill>
+                  <a:schemeClr val="tx2">
+                    <a:lumMod val="20000"/>
+                    <a:lumOff val="80000"/>
+                  </a:schemeClr>
+                </a:solidFill>
+                <a:effectLst>
+                  <a:outerShdw blurRad="38100" dist="38100" dir="2700000" algn="tl">
+                    <a:srgbClr val="000000">
+                      <a:alpha val="43137"/>
+                    </a:srgbClr>
+                  </a:outerShdw>
+                </a:effectLst>
+                <a:latin typeface="Corbel" pitchFamily="34" charset="0"/>
+                <a:ea typeface="+mn-ea"/>
+                <a:cs typeface="+mn-cs"/>
+              </a:defRPr>
+            </a:lvl1pPr>
+            <a:lvl2pPr marL="630238" indent="-273050" algn="l" rtl="0" eaLnBrk="1" fontAlgn="base" hangingPunct="1">
+              <a:spcBef>
+                <a:spcPct val="20000"/>
+              </a:spcBef>
+              <a:spcAft>
+                <a:spcPct val="0"/>
+              </a:spcAft>
+              <a:buClr>
+                <a:schemeClr val="accent2">
+                  <a:lumMod val="60000"/>
+                  <a:lumOff val="40000"/>
+                </a:schemeClr>
+              </a:buClr>
+              <a:buFont typeface="Wingdings 2" pitchFamily="18" charset="2"/>
+              <a:buChar char=""/>
+              <a:defRPr sz="3000" b="1" kern="1200">
+                <a:solidFill>
+                  <a:schemeClr val="tx1">
+                    <a:lumMod val="20000"/>
+                    <a:lumOff val="80000"/>
+                  </a:schemeClr>
+                </a:solidFill>
+                <a:effectLst>
+                  <a:outerShdw blurRad="38100" dist="38100" dir="2700000" algn="tl">
+                    <a:srgbClr val="000000">
+                      <a:alpha val="43137"/>
+                    </a:srgbClr>
+                  </a:outerShdw>
+                </a:effectLst>
+                <a:latin typeface="+mn-lt"/>
+                <a:ea typeface="+mn-ea"/>
+                <a:cs typeface="+mn-cs"/>
+              </a:defRPr>
+            </a:lvl2pPr>
+            <a:lvl3pPr marL="922338" indent="-273050" algn="l" rtl="0" eaLnBrk="1" fontAlgn="base" hangingPunct="1">
+              <a:spcBef>
+                <a:spcPct val="20000"/>
+              </a:spcBef>
+              <a:spcAft>
+                <a:spcPct val="0"/>
+              </a:spcAft>
+              <a:buClr>
+                <a:schemeClr val="tx1">
+                  <a:lumMod val="50000"/>
+                </a:schemeClr>
+              </a:buClr>
+              <a:buFont typeface="Wingdings 2" pitchFamily="18" charset="2"/>
+              <a:buChar char=""/>
+              <a:defRPr sz="2800" b="1" kern="1200">
+                <a:solidFill>
+                  <a:schemeClr val="tx1">
+                    <a:lumMod val="20000"/>
+                    <a:lumOff val="80000"/>
+                  </a:schemeClr>
+                </a:solidFill>
+                <a:effectLst>
+                  <a:outerShdw blurRad="38100" dist="38100" dir="2700000" algn="tl">
+                    <a:srgbClr val="000000">
+                      <a:alpha val="43137"/>
+                    </a:srgbClr>
+                  </a:outerShdw>
+                </a:effectLst>
+                <a:latin typeface="+mn-lt"/>
+                <a:ea typeface="+mn-ea"/>
+                <a:cs typeface="+mn-cs"/>
+              </a:defRPr>
+            </a:lvl3pPr>
+            <a:lvl4pPr marL="1187450" indent="-228600" algn="l" rtl="0" eaLnBrk="1" fontAlgn="base" hangingPunct="1">
+              <a:spcBef>
+                <a:spcPct val="20000"/>
+              </a:spcBef>
+              <a:spcAft>
+                <a:spcPct val="0"/>
+              </a:spcAft>
+              <a:buClr>
+                <a:srgbClr val="F8BD52"/>
+              </a:buClr>
+              <a:buFont typeface="Wingdings 2" pitchFamily="18" charset="2"/>
+              <a:buChar char=""/>
+              <a:defRPr sz="2600" b="1" kern="1200">
+                <a:solidFill>
+                  <a:schemeClr val="tx1">
+                    <a:lumMod val="20000"/>
+                    <a:lumOff val="80000"/>
+                  </a:schemeClr>
+                </a:solidFill>
+                <a:effectLst>
+                  <a:outerShdw blurRad="38100" dist="38100" dir="2700000" algn="tl">
+                    <a:srgbClr val="000000">
+                      <a:alpha val="43137"/>
+                    </a:srgbClr>
+                  </a:outerShdw>
+                </a:effectLst>
+                <a:latin typeface="+mn-lt"/>
+                <a:ea typeface="+mn-ea"/>
+                <a:cs typeface="+mn-cs"/>
+              </a:defRPr>
+            </a:lvl4pPr>
+            <a:lvl5pPr marL="1425575" indent="-228600" algn="l" rtl="0" eaLnBrk="1" fontAlgn="base" hangingPunct="1">
+              <a:spcBef>
+                <a:spcPct val="20000"/>
+              </a:spcBef>
+              <a:spcAft>
+                <a:spcPct val="0"/>
+              </a:spcAft>
+              <a:buClr>
+                <a:srgbClr val="46A6BD"/>
+              </a:buClr>
+              <a:buFont typeface="Wingdings 2" pitchFamily="18" charset="2"/>
+              <a:buChar char=""/>
+              <a:defRPr sz="2400" b="1" kern="1200">
+                <a:solidFill>
+                  <a:schemeClr val="tx1">
+                    <a:lumMod val="20000"/>
+                    <a:lumOff val="80000"/>
+                  </a:schemeClr>
+                </a:solidFill>
+                <a:effectLst>
+                  <a:outerShdw blurRad="38100" dist="38100" dir="2700000" algn="tl">
+                    <a:srgbClr val="000000">
+                      <a:alpha val="43137"/>
+                    </a:srgbClr>
+                  </a:outerShdw>
+                </a:effectLst>
+                <a:latin typeface="+mn-lt"/>
+                <a:ea typeface="+mn-ea"/>
+                <a:cs typeface="+mn-cs"/>
+              </a:defRPr>
+            </a:lvl5pPr>
+            <a:lvl6pPr marL="1673352" indent="-228600" algn="l" rtl="0" eaLnBrk="1" latinLnBrk="0" hangingPunct="1">
+              <a:spcBef>
+                <a:spcPct val="20000"/>
+              </a:spcBef>
+              <a:buClr>
+                <a:schemeClr val="accent6"/>
+              </a:buClr>
+              <a:buFont typeface="Wingdings 2"/>
+              <a:buChar char=""/>
+              <a:defRPr sz="1800" kern="1200">
+                <a:solidFill>
+                  <a:schemeClr val="tx1"/>
+                </a:solidFill>
+                <a:latin typeface="+mn-lt"/>
+                <a:ea typeface="+mn-ea"/>
+                <a:cs typeface="+mn-cs"/>
+              </a:defRPr>
+            </a:lvl6pPr>
+            <a:lvl7pPr marL="1911096" indent="-228600" algn="l" rtl="0" eaLnBrk="1" latinLnBrk="0" hangingPunct="1">
+              <a:spcBef>
+                <a:spcPct val="20000"/>
+              </a:spcBef>
+              <a:buClr>
+                <a:schemeClr val="tx2"/>
+              </a:buClr>
+              <a:buFont typeface="Wingdings 2"/>
+              <a:buChar char=""/>
+              <a:defRPr sz="1600" kern="1200">
+                <a:solidFill>
+                  <a:schemeClr val="tx1"/>
+                </a:solidFill>
+                <a:latin typeface="+mn-lt"/>
+                <a:ea typeface="+mn-ea"/>
+                <a:cs typeface="+mn-cs"/>
+              </a:defRPr>
+            </a:lvl7pPr>
+            <a:lvl8pPr marL="2121408" indent="-182880" algn="l" rtl="0" eaLnBrk="1" latinLnBrk="0" hangingPunct="1">
+              <a:spcBef>
+                <a:spcPct val="20000"/>
+              </a:spcBef>
+              <a:buClr>
+                <a:schemeClr val="tx2"/>
+              </a:buClr>
+              <a:buFont typeface="Wingdings 2"/>
+              <a:buChar char=""/>
+              <a:defRPr sz="1400" kern="1200">
+                <a:solidFill>
+                  <a:schemeClr val="tx1"/>
+                </a:solidFill>
+                <a:latin typeface="+mn-lt"/>
+                <a:ea typeface="+mn-ea"/>
+                <a:cs typeface="+mn-cs"/>
+              </a:defRPr>
+            </a:lvl8pPr>
+            <a:lvl9pPr marL="2322576" indent="-182880" algn="l" rtl="0" eaLnBrk="1" latinLnBrk="0" hangingPunct="1">
+              <a:spcBef>
+                <a:spcPct val="20000"/>
+              </a:spcBef>
+              <a:buClr>
+                <a:schemeClr val="tx2"/>
+              </a:buClr>
+              <a:buFont typeface="Wingdings 2"/>
+              <a:buChar char=""/>
+              <a:defRPr sz="1400" kern="1200">
+                <a:solidFill>
+                  <a:schemeClr val="tx1"/>
+                </a:solidFill>
+                <a:latin typeface="+mn-lt"/>
+                <a:ea typeface="+mn-ea"/>
+                <a:cs typeface="+mn-cs"/>
+              </a:defRPr>
+            </a:lvl9pPr>
+          </a:lstStyle>
+          <a:p>
+            <a:r>
+              <a:rPr lang="en-US" dirty="0" smtClean="0"/>
+              <a:t>Resources:</a:t>
+            </a:r>
+            <a:endParaRPr lang="en-US" dirty="0"/>
+          </a:p>
+        </p:txBody>
+      </p:sp>
     </p:spTree>
     <p:extLst>
       <p:ext uri="{BB962C8B-B14F-4D97-AF65-F5344CB8AC3E}">
-        <p14:creationId xmlns:p14="http://schemas.microsoft.com/office/powerpoint/2010/main" val="1093054388"/>
+        <p14:creationId xmlns:p14="http://schemas.microsoft.com/office/powerpoint/2010/main" val="2155360495"/>
       </p:ext>
     </p:extLst>
   </p:cSld>

--- a/Slides/WebServices/Web Services.pptx
+++ b/Slides/WebServices/Web Services.pptx
@@ -221,7 +221,7 @@
           <a:p>
             <a:fld id="{644303E9-1A8A-406D-9DFA-FF87524EDF5C}" type="datetimeFigureOut">
               <a:rPr lang="en-US" smtClean="0"/>
-              <a:t>10/5/2014</a:t>
+              <a:t>11/10/2014</a:t>
             </a:fld>
             <a:endParaRPr lang="en-US"/>
           </a:p>
@@ -11010,7 +11010,7 @@
         </p:nvSpPr>
         <p:spPr>
           <a:xfrm>
-            <a:off x="7111588" y="2075540"/>
+            <a:off x="6113213" y="1983742"/>
             <a:ext cx="609222" cy="400110"/>
           </a:xfrm>
           <a:prstGeom prst="rect">
@@ -11279,7 +11279,7 @@
         </p:nvSpPr>
         <p:spPr>
           <a:xfrm>
-            <a:off x="3197734" y="2075540"/>
+            <a:off x="2199359" y="1983742"/>
             <a:ext cx="715902" cy="400110"/>
           </a:xfrm>
           <a:prstGeom prst="rect">
@@ -11548,7 +11548,7 @@
         </p:nvSpPr>
         <p:spPr>
           <a:xfrm>
-            <a:off x="4948657" y="2075540"/>
+            <a:off x="3950282" y="1983742"/>
             <a:ext cx="1074569" cy="400110"/>
           </a:xfrm>
           <a:prstGeom prst="rect">
@@ -11802,275 +11802,6 @@
             <a:r>
               <a:rPr lang="en-US" dirty="0" smtClean="0"/>
               <a:t>Android</a:t>
-            </a:r>
-            <a:endParaRPr lang="en-US" dirty="0"/>
-          </a:p>
-        </p:txBody>
-      </p:sp>
-      <p:sp>
-        <p:nvSpPr>
-          <p:cNvPr id="14" name="Text Placeholder 12"/>
-          <p:cNvSpPr>
-            <a:spLocks noGrp="1"/>
-          </p:cNvSpPr>
-          <p:nvPr/>
-        </p:nvSpPr>
-        <p:spPr>
-          <a:xfrm>
-            <a:off x="1055206" y="2075540"/>
-            <a:ext cx="1140443" cy="400110"/>
-          </a:xfrm>
-          <a:prstGeom prst="rect">
-            <a:avLst/>
-          </a:prstGeom>
-          <a:noFill/>
-        </p:spPr>
-        <p:txBody>
-          <a:bodyPr wrap="square" rtlCol="0">
-            <a:spAutoFit/>
-          </a:bodyPr>
-          <a:lstStyle>
-            <a:lvl1pPr marL="319088" indent="-319088" algn="l" rtl="0" eaLnBrk="1" fontAlgn="base" hangingPunct="1">
-              <a:spcBef>
-                <a:spcPct val="20000"/>
-              </a:spcBef>
-              <a:spcAft>
-                <a:spcPct val="0"/>
-              </a:spcAft>
-              <a:buClr>
-                <a:schemeClr val="accent5">
-                  <a:lumMod val="40000"/>
-                  <a:lumOff val="60000"/>
-                </a:schemeClr>
-              </a:buClr>
-              <a:buSzPct val="70000"/>
-              <a:buFont typeface="Wingdings 2" pitchFamily="18" charset="2"/>
-              <a:buNone/>
-              <a:defRPr lang="en-US" sz="2000" b="1" kern="1200" dirty="0">
-                <a:solidFill>
-                  <a:schemeClr val="tx2">
-                    <a:lumMod val="20000"/>
-                    <a:lumOff val="80000"/>
-                  </a:schemeClr>
-                </a:solidFill>
-                <a:effectLst>
-                  <a:outerShdw blurRad="38100" dist="38100" dir="2700000" algn="tl">
-                    <a:srgbClr val="000000">
-                      <a:alpha val="43137"/>
-                    </a:srgbClr>
-                  </a:outerShdw>
-                </a:effectLst>
-                <a:latin typeface="Corbel" pitchFamily="34" charset="0"/>
-                <a:ea typeface="+mn-ea"/>
-                <a:cs typeface="+mn-cs"/>
-              </a:defRPr>
-            </a:lvl1pPr>
-            <a:lvl2pPr marL="630238" indent="-273050" algn="l" rtl="0" eaLnBrk="1" fontAlgn="base" hangingPunct="1">
-              <a:spcBef>
-                <a:spcPct val="20000"/>
-              </a:spcBef>
-              <a:spcAft>
-                <a:spcPct val="0"/>
-              </a:spcAft>
-              <a:buClr>
-                <a:schemeClr val="accent2">
-                  <a:lumMod val="60000"/>
-                  <a:lumOff val="40000"/>
-                </a:schemeClr>
-              </a:buClr>
-              <a:buFont typeface="Wingdings 2" pitchFamily="18" charset="2"/>
-              <a:buChar char=""/>
-              <a:defRPr sz="3000" b="1" kern="1200">
-                <a:solidFill>
-                  <a:schemeClr val="tx1">
-                    <a:lumMod val="20000"/>
-                    <a:lumOff val="80000"/>
-                  </a:schemeClr>
-                </a:solidFill>
-                <a:effectLst>
-                  <a:outerShdw blurRad="38100" dist="38100" dir="2700000" algn="tl">
-                    <a:srgbClr val="000000">
-                      <a:alpha val="43137"/>
-                    </a:srgbClr>
-                  </a:outerShdw>
-                </a:effectLst>
-                <a:latin typeface="+mn-lt"/>
-                <a:ea typeface="+mn-ea"/>
-                <a:cs typeface="+mn-cs"/>
-              </a:defRPr>
-            </a:lvl2pPr>
-            <a:lvl3pPr marL="922338" indent="-273050" algn="l" rtl="0" eaLnBrk="1" fontAlgn="base" hangingPunct="1">
-              <a:spcBef>
-                <a:spcPct val="20000"/>
-              </a:spcBef>
-              <a:spcAft>
-                <a:spcPct val="0"/>
-              </a:spcAft>
-              <a:buClr>
-                <a:schemeClr val="tx1">
-                  <a:lumMod val="50000"/>
-                </a:schemeClr>
-              </a:buClr>
-              <a:buFont typeface="Wingdings 2" pitchFamily="18" charset="2"/>
-              <a:buChar char=""/>
-              <a:defRPr sz="2800" b="1" kern="1200">
-                <a:solidFill>
-                  <a:schemeClr val="tx1">
-                    <a:lumMod val="20000"/>
-                    <a:lumOff val="80000"/>
-                  </a:schemeClr>
-                </a:solidFill>
-                <a:effectLst>
-                  <a:outerShdw blurRad="38100" dist="38100" dir="2700000" algn="tl">
-                    <a:srgbClr val="000000">
-                      <a:alpha val="43137"/>
-                    </a:srgbClr>
-                  </a:outerShdw>
-                </a:effectLst>
-                <a:latin typeface="+mn-lt"/>
-                <a:ea typeface="+mn-ea"/>
-                <a:cs typeface="+mn-cs"/>
-              </a:defRPr>
-            </a:lvl3pPr>
-            <a:lvl4pPr marL="1187450" indent="-228600" algn="l" rtl="0" eaLnBrk="1" fontAlgn="base" hangingPunct="1">
-              <a:spcBef>
-                <a:spcPct val="20000"/>
-              </a:spcBef>
-              <a:spcAft>
-                <a:spcPct val="0"/>
-              </a:spcAft>
-              <a:buClr>
-                <a:srgbClr val="F8BD52"/>
-              </a:buClr>
-              <a:buFont typeface="Wingdings 2" pitchFamily="18" charset="2"/>
-              <a:buChar char=""/>
-              <a:defRPr sz="2600" b="1" kern="1200">
-                <a:solidFill>
-                  <a:schemeClr val="tx1">
-                    <a:lumMod val="20000"/>
-                    <a:lumOff val="80000"/>
-                  </a:schemeClr>
-                </a:solidFill>
-                <a:effectLst>
-                  <a:outerShdw blurRad="38100" dist="38100" dir="2700000" algn="tl">
-                    <a:srgbClr val="000000">
-                      <a:alpha val="43137"/>
-                    </a:srgbClr>
-                  </a:outerShdw>
-                </a:effectLst>
-                <a:latin typeface="+mn-lt"/>
-                <a:ea typeface="+mn-ea"/>
-                <a:cs typeface="+mn-cs"/>
-              </a:defRPr>
-            </a:lvl4pPr>
-            <a:lvl5pPr marL="1425575" indent="-228600" algn="l" rtl="0" eaLnBrk="1" fontAlgn="base" hangingPunct="1">
-              <a:spcBef>
-                <a:spcPct val="20000"/>
-              </a:spcBef>
-              <a:spcAft>
-                <a:spcPct val="0"/>
-              </a:spcAft>
-              <a:buClr>
-                <a:srgbClr val="46A6BD"/>
-              </a:buClr>
-              <a:buFont typeface="Wingdings 2" pitchFamily="18" charset="2"/>
-              <a:buChar char=""/>
-              <a:defRPr sz="2400" b="1" kern="1200">
-                <a:solidFill>
-                  <a:schemeClr val="tx1">
-                    <a:lumMod val="20000"/>
-                    <a:lumOff val="80000"/>
-                  </a:schemeClr>
-                </a:solidFill>
-                <a:effectLst>
-                  <a:outerShdw blurRad="38100" dist="38100" dir="2700000" algn="tl">
-                    <a:srgbClr val="000000">
-                      <a:alpha val="43137"/>
-                    </a:srgbClr>
-                  </a:outerShdw>
-                </a:effectLst>
-                <a:latin typeface="+mn-lt"/>
-                <a:ea typeface="+mn-ea"/>
-                <a:cs typeface="+mn-cs"/>
-              </a:defRPr>
-            </a:lvl5pPr>
-            <a:lvl6pPr marL="1673352" indent="-228600" algn="l" rtl="0" eaLnBrk="1" latinLnBrk="0" hangingPunct="1">
-              <a:spcBef>
-                <a:spcPct val="20000"/>
-              </a:spcBef>
-              <a:buClr>
-                <a:schemeClr val="accent6"/>
-              </a:buClr>
-              <a:buFont typeface="Wingdings 2"/>
-              <a:buChar char=""/>
-              <a:defRPr sz="1800" kern="1200">
-                <a:solidFill>
-                  <a:schemeClr val="tx1"/>
-                </a:solidFill>
-                <a:latin typeface="+mn-lt"/>
-                <a:ea typeface="+mn-ea"/>
-                <a:cs typeface="+mn-cs"/>
-              </a:defRPr>
-            </a:lvl6pPr>
-            <a:lvl7pPr marL="1911096" indent="-228600" algn="l" rtl="0" eaLnBrk="1" latinLnBrk="0" hangingPunct="1">
-              <a:spcBef>
-                <a:spcPct val="20000"/>
-              </a:spcBef>
-              <a:buClr>
-                <a:schemeClr val="tx2"/>
-              </a:buClr>
-              <a:buFont typeface="Wingdings 2"/>
-              <a:buChar char=""/>
-              <a:defRPr sz="1600" kern="1200">
-                <a:solidFill>
-                  <a:schemeClr val="tx1"/>
-                </a:solidFill>
-                <a:latin typeface="+mn-lt"/>
-                <a:ea typeface="+mn-ea"/>
-                <a:cs typeface="+mn-cs"/>
-              </a:defRPr>
-            </a:lvl7pPr>
-            <a:lvl8pPr marL="2121408" indent="-182880" algn="l" rtl="0" eaLnBrk="1" latinLnBrk="0" hangingPunct="1">
-              <a:spcBef>
-                <a:spcPct val="20000"/>
-              </a:spcBef>
-              <a:buClr>
-                <a:schemeClr val="tx2"/>
-              </a:buClr>
-              <a:buFont typeface="Wingdings 2"/>
-              <a:buChar char=""/>
-              <a:defRPr sz="1400" kern="1200">
-                <a:solidFill>
-                  <a:schemeClr val="tx1"/>
-                </a:solidFill>
-                <a:latin typeface="+mn-lt"/>
-                <a:ea typeface="+mn-ea"/>
-                <a:cs typeface="+mn-cs"/>
-              </a:defRPr>
-            </a:lvl8pPr>
-            <a:lvl9pPr marL="2322576" indent="-182880" algn="l" rtl="0" eaLnBrk="1" latinLnBrk="0" hangingPunct="1">
-              <a:spcBef>
-                <a:spcPct val="20000"/>
-              </a:spcBef>
-              <a:buClr>
-                <a:schemeClr val="tx2"/>
-              </a:buClr>
-              <a:buFont typeface="Wingdings 2"/>
-              <a:buChar char=""/>
-              <a:defRPr sz="1400" kern="1200">
-                <a:solidFill>
-                  <a:schemeClr val="tx1"/>
-                </a:solidFill>
-                <a:latin typeface="+mn-lt"/>
-                <a:ea typeface="+mn-ea"/>
-                <a:cs typeface="+mn-cs"/>
-              </a:defRPr>
-            </a:lvl9pPr>
-          </a:lstStyle>
-          <a:p>
-            <a:r>
-              <a:rPr lang="en-US" dirty="0" smtClean="0"/>
-              <a:t>Desktop</a:t>
             </a:r>
             <a:endParaRPr lang="en-US" dirty="0"/>
           </a:p>
@@ -12251,13 +11982,13 @@
       </p:sp>
       <p:sp>
         <p:nvSpPr>
-          <p:cNvPr id="4" name="Rounded Rectangle 3"/>
+          <p:cNvPr id="16" name="Rounded Rectangle 15"/>
           <p:cNvSpPr/>
           <p:nvPr/>
         </p:nvSpPr>
         <p:spPr>
           <a:xfrm>
-            <a:off x="761998" y="2622667"/>
+            <a:off x="1713159" y="2530869"/>
             <a:ext cx="1726857" cy="1059256"/>
           </a:xfrm>
           <a:prstGeom prst="roundRect">
@@ -12318,13 +12049,13 @@
       </p:sp>
       <p:sp>
         <p:nvSpPr>
-          <p:cNvPr id="16" name="Rounded Rectangle 15"/>
+          <p:cNvPr id="17" name="Rounded Rectangle 16"/>
           <p:cNvSpPr/>
           <p:nvPr/>
         </p:nvSpPr>
         <p:spPr>
           <a:xfrm>
-            <a:off x="2711534" y="2622667"/>
+            <a:off x="3691615" y="2530869"/>
             <a:ext cx="1726857" cy="1059256"/>
           </a:xfrm>
           <a:prstGeom prst="roundRect">
@@ -12385,80 +12116,13 @@
       </p:sp>
       <p:sp>
         <p:nvSpPr>
-          <p:cNvPr id="17" name="Rounded Rectangle 16"/>
-          <p:cNvSpPr/>
-          <p:nvPr/>
-        </p:nvSpPr>
-        <p:spPr>
-          <a:xfrm>
-            <a:off x="4689990" y="2622667"/>
-            <a:ext cx="1726857" cy="1059256"/>
-          </a:xfrm>
-          <a:prstGeom prst="roundRect">
-            <a:avLst/>
-          </a:prstGeom>
-          <a:solidFill>
-            <a:srgbClr val="B13232"/>
-          </a:solidFill>
-        </p:spPr>
-        <p:style>
-          <a:lnRef idx="1">
-            <a:schemeClr val="accent2"/>
-          </a:lnRef>
-          <a:fillRef idx="3">
-            <a:schemeClr val="accent2"/>
-          </a:fillRef>
-          <a:effectRef idx="2">
-            <a:schemeClr val="accent2"/>
-          </a:effectRef>
-          <a:fontRef idx="minor">
-            <a:schemeClr val="lt1"/>
-          </a:fontRef>
-        </p:style>
-        <p:txBody>
-          <a:bodyPr rtlCol="0" anchor="ctr"/>
-          <a:lstStyle/>
-          <a:p>
-            <a:pPr algn="ctr"/>
-            <a:r>
-              <a:rPr lang="en-US" sz="2800" b="1" dirty="0" smtClean="0">
-                <a:solidFill>
-                  <a:srgbClr val="EAEAEA"/>
-                </a:solidFill>
-                <a:effectLst>
-                  <a:outerShdw blurRad="38100" dist="38100" dir="2700000" algn="tl">
-                    <a:srgbClr val="000000">
-                      <a:alpha val="43137"/>
-                    </a:srgbClr>
-                  </a:outerShdw>
-                </a:effectLst>
-              </a:rPr>
-              <a:t>UI Layer</a:t>
-            </a:r>
-            <a:endParaRPr lang="en-US" sz="2800" b="1" dirty="0">
-              <a:solidFill>
-                <a:srgbClr val="EAEAEA"/>
-              </a:solidFill>
-              <a:effectLst>
-                <a:outerShdw blurRad="38100" dist="38100" dir="2700000" algn="tl">
-                  <a:srgbClr val="000000">
-                    <a:alpha val="43137"/>
-                  </a:srgbClr>
-                </a:outerShdw>
-              </a:effectLst>
-            </a:endParaRPr>
-          </a:p>
-        </p:txBody>
-      </p:sp>
-      <p:sp>
-        <p:nvSpPr>
           <p:cNvPr id="18" name="Rounded Rectangle 17"/>
           <p:cNvSpPr/>
           <p:nvPr/>
         </p:nvSpPr>
         <p:spPr>
           <a:xfrm>
-            <a:off x="6668447" y="2574562"/>
+            <a:off x="5670072" y="2482764"/>
             <a:ext cx="1726857" cy="1059256"/>
           </a:xfrm>
           <a:prstGeom prst="roundRect">
